--- a/presentatie/presentatie.pptx
+++ b/presentatie/presentatie.pptx
@@ -15,12 +15,12 @@
     <p:sldId id="360" r:id="rId3"/>
     <p:sldId id="361" r:id="rId4"/>
     <p:sldId id="362" r:id="rId5"/>
-    <p:sldId id="363" r:id="rId6"/>
-    <p:sldId id="364" r:id="rId7"/>
+    <p:sldId id="364" r:id="rId6"/>
+    <p:sldId id="363" r:id="rId7"/>
     <p:sldId id="365" r:id="rId8"/>
     <p:sldId id="366" r:id="rId9"/>
-    <p:sldId id="367" r:id="rId10"/>
-    <p:sldId id="369" r:id="rId11"/>
+    <p:sldId id="369" r:id="rId10"/>
+    <p:sldId id="367" r:id="rId11"/>
     <p:sldId id="370" r:id="rId12"/>
   </p:sldIdLst>
   <p:sldSz cx="9144000" cy="6858000" type="screen4x3"/>
@@ -3845,7 +3845,12 @@
             <p:ph type="subTitle" idx="1"/>
           </p:nvPr>
         </p:nvSpPr>
-        <p:spPr/>
+        <p:spPr>
+          <a:xfrm>
+            <a:off x="685800" y="2743200"/>
+            <a:ext cx="6931025" cy="685800"/>
+          </a:xfrm>
+        </p:spPr>
         <p:txBody>
           <a:bodyPr/>
           <a:lstStyle/>
@@ -3913,22 +3918,14 @@
             <a:r>
               <a:rPr lang="nl-NL" dirty="0" smtClean="0">
                 <a:solidFill>
-                  <a:srgbClr val="FF0000"/>
-                </a:solidFill>
-              </a:rPr>
-              <a:t>niet</a:t>
-            </a:r>
-            <a:r>
-              <a:rPr lang="nl-NL" dirty="0" smtClean="0">
-                <a:solidFill>
                   <a:srgbClr val="00B050"/>
                 </a:solidFill>
               </a:rPr>
-              <a:t> </a:t>
-            </a:r>
-            <a:r>
-              <a:rPr lang="nl-NL" dirty="0" smtClean="0"/>
-              <a:t>elektronisch stemmen?</a:t>
+              <a:t>wel</a:t>
+            </a:r>
+            <a:r>
+              <a:rPr lang="nl-NL" dirty="0" smtClean="0"/>
+              <a:t> elektronisch stemmen?</a:t>
             </a:r>
             <a:endParaRPr lang="nl-NL" dirty="0"/>
           </a:p>
@@ -3956,7 +3953,21 @@
           <a:p>
             <a:r>
               <a:rPr lang="nl-NL" dirty="0" smtClean="0"/>
-              <a:t>Betrouwbaarheid</a:t>
+              <a:t>Modernisering</a:t>
+            </a:r>
+          </a:p>
+          <a:p>
+            <a:pPr lvl="1"/>
+            <a:r>
+              <a:rPr lang="nl-NL" dirty="0" smtClean="0"/>
+              <a:t>Nieuwe ontwikkeling</a:t>
+            </a:r>
+          </a:p>
+          <a:p>
+            <a:pPr lvl="1"/>
+            <a:r>
+              <a:rPr lang="nl-NL" dirty="0" smtClean="0"/>
+              <a:t>Digitale samenleving</a:t>
             </a:r>
           </a:p>
           <a:p>
@@ -3965,16 +3976,52 @@
           <a:p>
             <a:r>
               <a:rPr lang="nl-NL" dirty="0" smtClean="0"/>
-              <a:t>Veiligheid</a:t>
-            </a:r>
-          </a:p>
-          <a:p>
+              <a:t>Efficiënter</a:t>
+            </a:r>
+          </a:p>
+          <a:p>
+            <a:pPr lvl="1"/>
+            <a:r>
+              <a:rPr lang="nl-NL" dirty="0" smtClean="0"/>
+              <a:t>Nauwkeurig</a:t>
+            </a:r>
+          </a:p>
+          <a:p>
+            <a:pPr lvl="1"/>
+            <a:r>
+              <a:rPr lang="nl-NL" dirty="0" smtClean="0"/>
+              <a:t>Snel</a:t>
+            </a:r>
+          </a:p>
+          <a:p>
+            <a:pPr lvl="1"/>
+            <a:r>
+              <a:rPr lang="nl-NL" dirty="0" smtClean="0"/>
+              <a:t>Geld besparing</a:t>
+            </a:r>
+          </a:p>
+          <a:p>
+            <a:pPr lvl="1"/>
             <a:endParaRPr lang="nl-NL" dirty="0" smtClean="0"/>
           </a:p>
           <a:p>
             <a:r>
               <a:rPr lang="nl-NL" dirty="0" smtClean="0"/>
-              <a:t>Privacy</a:t>
+              <a:t>Gemakkelijker</a:t>
+            </a:r>
+          </a:p>
+          <a:p>
+            <a:pPr lvl="1"/>
+            <a:r>
+              <a:rPr lang="nl-NL" dirty="0" smtClean="0"/>
+              <a:t>Minder fouten</a:t>
+            </a:r>
+          </a:p>
+          <a:p>
+            <a:pPr lvl="1"/>
+            <a:r>
+              <a:rPr lang="nl-NL" dirty="0" smtClean="0"/>
+              <a:t>Toegankelijker voor visuele beperking</a:t>
             </a:r>
             <a:endParaRPr lang="nl-NL" dirty="0"/>
           </a:p>
@@ -4038,12 +4085,90 @@
             <p:ph idx="1"/>
           </p:nvPr>
         </p:nvSpPr>
-        <p:spPr/>
+        <p:spPr>
+          <a:xfrm>
+            <a:off x="925513" y="1628800"/>
+            <a:ext cx="7648575" cy="4176464"/>
+          </a:xfrm>
+        </p:spPr>
         <p:txBody>
           <a:bodyPr/>
           <a:lstStyle/>
           <a:p>
-            <a:endParaRPr lang="nl-NL"/>
+            <a:r>
+              <a:rPr lang="nl-NL" dirty="0" smtClean="0"/>
+              <a:t>Elektronisch stemmen moet weer ingevoerd worden</a:t>
+            </a:r>
+          </a:p>
+          <a:p>
+            <a:endParaRPr lang="nl-NL" dirty="0" smtClean="0"/>
+          </a:p>
+          <a:p>
+            <a:r>
+              <a:rPr lang="nl-NL" dirty="0" smtClean="0"/>
+              <a:t>Voordelen wegen zwaar</a:t>
+            </a:r>
+          </a:p>
+          <a:p>
+            <a:endParaRPr lang="nl-NL" dirty="0" smtClean="0"/>
+          </a:p>
+          <a:p>
+            <a:r>
+              <a:rPr lang="nl-NL" dirty="0" smtClean="0"/>
+              <a:t>Huidige systeem is ook niet waterdicht</a:t>
+            </a:r>
+          </a:p>
+          <a:p>
+            <a:endParaRPr lang="nl-NL" dirty="0" smtClean="0"/>
+          </a:p>
+          <a:p>
+            <a:r>
+              <a:rPr lang="nl-NL" dirty="0" smtClean="0"/>
+              <a:t>Biljetten (her)tellen duur, omslachtig en achterhaald</a:t>
+            </a:r>
+          </a:p>
+          <a:p>
+            <a:endParaRPr lang="nl-NL" dirty="0" smtClean="0"/>
+          </a:p>
+          <a:p>
+            <a:r>
+              <a:rPr lang="nl-NL" dirty="0" smtClean="0"/>
+              <a:t>Elektronisch stemmen is:</a:t>
+            </a:r>
+          </a:p>
+          <a:p>
+            <a:pPr lvl="1"/>
+            <a:r>
+              <a:rPr lang="nl-NL" dirty="0" smtClean="0"/>
+              <a:t>Gebruiksvriendelijker</a:t>
+            </a:r>
+          </a:p>
+          <a:p>
+            <a:pPr lvl="1"/>
+            <a:r>
+              <a:rPr lang="nl-NL" dirty="0" smtClean="0"/>
+              <a:t>Sneller</a:t>
+            </a:r>
+          </a:p>
+          <a:p>
+            <a:pPr lvl="1"/>
+            <a:r>
+              <a:rPr lang="nl-NL" dirty="0" smtClean="0"/>
+              <a:t>Nauwkeuriger</a:t>
+            </a:r>
+          </a:p>
+          <a:p>
+            <a:pPr lvl="1"/>
+            <a:r>
+              <a:rPr lang="nl-NL" dirty="0" smtClean="0"/>
+              <a:t>Efficiënter</a:t>
+            </a:r>
+          </a:p>
+          <a:p>
+            <a:endParaRPr lang="nl-NL" dirty="0" smtClean="0"/>
+          </a:p>
+          <a:p>
+            <a:endParaRPr lang="nl-NL" dirty="0"/>
           </a:p>
         </p:txBody>
       </p:sp>
@@ -4154,7 +4279,7 @@
           <a:p>
             <a:r>
               <a:rPr lang="nl-NL" dirty="0" smtClean="0"/>
-              <a:t>Papier en potlood lijken achterhaald.</a:t>
+              <a:t>Papier en potlood lijken achterhaald</a:t>
             </a:r>
           </a:p>
         </p:txBody>
@@ -4447,7 +4572,7 @@
           <a:p>
             <a:r>
               <a:rPr lang="nl-NL" dirty="0" smtClean="0"/>
-              <a:t>Betrokken partijen</a:t>
+              <a:t>Feiten</a:t>
             </a:r>
             <a:endParaRPr lang="nl-NL" dirty="0"/>
           </a:p>
@@ -4470,7 +4595,7 @@
           <a:p>
             <a:r>
               <a:rPr lang="nl-NL" dirty="0" smtClean="0"/>
-              <a:t>Kiesgerechtigden / burgers</a:t>
+              <a:t>Ingevoerd in de jaren ‘90</a:t>
             </a:r>
           </a:p>
           <a:p>
@@ -4479,7 +4604,7 @@
           <a:p>
             <a:r>
               <a:rPr lang="nl-NL" dirty="0" smtClean="0"/>
-              <a:t>Politieke partijen</a:t>
+              <a:t>Veel problemen ontdekt</a:t>
             </a:r>
           </a:p>
           <a:p>
@@ -4488,29 +4613,25 @@
           <a:p>
             <a:r>
               <a:rPr lang="nl-NL" dirty="0" smtClean="0"/>
-              <a:t>Fabrikant apparatuur</a:t>
-            </a:r>
-          </a:p>
-          <a:p>
+              <a:t>Grote </a:t>
+            </a:r>
+            <a:r>
+              <a:rPr lang="nl-NL" dirty="0" err="1" smtClean="0"/>
+              <a:t>anti-campagne</a:t>
+            </a:r>
             <a:endParaRPr lang="nl-NL" dirty="0" smtClean="0"/>
           </a:p>
           <a:p>
-            <a:r>
-              <a:rPr lang="nl-NL" dirty="0" smtClean="0"/>
-              <a:t>Stichting “Wij Vertrouwen Stemcomputers Niet”</a:t>
-            </a:r>
-          </a:p>
-          <a:p>
             <a:endParaRPr lang="nl-NL" dirty="0" smtClean="0"/>
           </a:p>
           <a:p>
             <a:r>
-              <a:rPr lang="nl-NL" dirty="0" smtClean="0"/>
-              <a:t>Minister </a:t>
-            </a:r>
-            <a:r>
               <a:rPr lang="nl-NL" dirty="0" err="1" smtClean="0"/>
-              <a:t>Plasterk</a:t>
+              <a:t>Onderzoekscommssies</a:t>
+            </a:r>
+            <a:r>
+              <a:rPr lang="nl-NL" dirty="0" smtClean="0"/>
+              <a:t> ingesteld.</a:t>
             </a:r>
             <a:endParaRPr lang="nl-NL" dirty="0"/>
           </a:p>
@@ -4558,7 +4679,7 @@
           <a:p>
             <a:r>
               <a:rPr lang="nl-NL" dirty="0" smtClean="0"/>
-              <a:t>Feiten</a:t>
+              <a:t>Betrokken partijen</a:t>
             </a:r>
             <a:endParaRPr lang="nl-NL" dirty="0"/>
           </a:p>
@@ -4581,7 +4702,47 @@
           <a:p>
             <a:r>
               <a:rPr lang="nl-NL" dirty="0" smtClean="0"/>
-              <a:t>???</a:t>
+              <a:t>Kiesgerechtigden / burgers</a:t>
+            </a:r>
+          </a:p>
+          <a:p>
+            <a:endParaRPr lang="nl-NL" dirty="0" smtClean="0"/>
+          </a:p>
+          <a:p>
+            <a:r>
+              <a:rPr lang="nl-NL" dirty="0" smtClean="0"/>
+              <a:t>Politieke partijen</a:t>
+            </a:r>
+          </a:p>
+          <a:p>
+            <a:endParaRPr lang="nl-NL" dirty="0" smtClean="0"/>
+          </a:p>
+          <a:p>
+            <a:r>
+              <a:rPr lang="nl-NL" dirty="0" smtClean="0"/>
+              <a:t>Fabrikant apparatuur</a:t>
+            </a:r>
+          </a:p>
+          <a:p>
+            <a:endParaRPr lang="nl-NL" dirty="0" smtClean="0"/>
+          </a:p>
+          <a:p>
+            <a:r>
+              <a:rPr lang="nl-NL" dirty="0" smtClean="0"/>
+              <a:t>Stichting “Wij Vertrouwen Stemcomputers Niet”</a:t>
+            </a:r>
+          </a:p>
+          <a:p>
+            <a:endParaRPr lang="nl-NL" dirty="0" smtClean="0"/>
+          </a:p>
+          <a:p>
+            <a:r>
+              <a:rPr lang="nl-NL" dirty="0" smtClean="0"/>
+              <a:t>Minister </a:t>
+            </a:r>
+            <a:r>
+              <a:rPr lang="nl-NL" dirty="0" err="1" smtClean="0"/>
+              <a:t>Plasterk</a:t>
             </a:r>
             <a:endParaRPr lang="nl-NL" dirty="0"/>
           </a:p>
@@ -4645,7 +4806,12 @@
             <p:ph idx="1"/>
           </p:nvPr>
         </p:nvSpPr>
-        <p:spPr/>
+        <p:spPr>
+          <a:xfrm>
+            <a:off x="925513" y="1828800"/>
+            <a:ext cx="7648575" cy="3904456"/>
+          </a:xfrm>
+        </p:spPr>
         <p:txBody>
           <a:bodyPr/>
           <a:lstStyle/>
@@ -4656,6 +4822,21 @@
             </a:r>
           </a:p>
           <a:p>
+            <a:pPr lvl="1"/>
+            <a:r>
+              <a:rPr lang="nl-NL" dirty="0" smtClean="0"/>
+              <a:t>Stemkeuze voor jezelf</a:t>
+            </a:r>
+          </a:p>
+          <a:p>
+            <a:pPr lvl="1"/>
+            <a:r>
+              <a:rPr lang="nl-NL" dirty="0" smtClean="0"/>
+              <a:t>Tegen externe invloed</a:t>
+            </a:r>
+          </a:p>
+          <a:p>
+            <a:pPr lvl="1"/>
             <a:endParaRPr lang="nl-NL" dirty="0" smtClean="0"/>
           </a:p>
           <a:p>
@@ -4665,6 +4846,21 @@
             </a:r>
           </a:p>
           <a:p>
+            <a:pPr lvl="1"/>
+            <a:r>
+              <a:rPr lang="nl-NL" dirty="0" smtClean="0"/>
+              <a:t>Vrijheid om eigen keus te maken</a:t>
+            </a:r>
+          </a:p>
+          <a:p>
+            <a:pPr lvl="1"/>
+            <a:r>
+              <a:rPr lang="nl-NL" dirty="0" smtClean="0"/>
+              <a:t>Inherent aan democratisch systeem</a:t>
+            </a:r>
+          </a:p>
+          <a:p>
+            <a:pPr lvl="1"/>
             <a:endParaRPr lang="nl-NL" dirty="0" smtClean="0"/>
           </a:p>
           <a:p>
@@ -4672,7 +4868,27 @@
               <a:rPr lang="nl-NL" dirty="0" smtClean="0"/>
               <a:t>Eerlijkheid en vertrouwen</a:t>
             </a:r>
-            <a:endParaRPr lang="nl-NL" dirty="0"/>
+          </a:p>
+          <a:p>
+            <a:pPr lvl="1"/>
+            <a:r>
+              <a:rPr lang="nl-NL" dirty="0" smtClean="0"/>
+              <a:t>Vertrouwen in eerlijk verloop verkiezingen</a:t>
+            </a:r>
+          </a:p>
+          <a:p>
+            <a:pPr lvl="1"/>
+            <a:r>
+              <a:rPr lang="nl-NL" dirty="0" smtClean="0"/>
+              <a:t>Eerlijke telling van de stemmen</a:t>
+            </a:r>
+          </a:p>
+          <a:p>
+            <a:pPr lvl="1"/>
+            <a:r>
+              <a:rPr lang="nl-NL" dirty="0" smtClean="0"/>
+              <a:t>Vertrouwen in het systeem</a:t>
+            </a:r>
           </a:p>
         </p:txBody>
       </p:sp>
@@ -4734,7 +4950,12 @@
             <p:ph idx="1"/>
           </p:nvPr>
         </p:nvSpPr>
-        <p:spPr/>
+        <p:spPr>
+          <a:xfrm>
+            <a:off x="925513" y="1828800"/>
+            <a:ext cx="7648575" cy="3976464"/>
+          </a:xfrm>
+        </p:spPr>
         <p:txBody>
           <a:bodyPr/>
           <a:lstStyle/>
@@ -4745,6 +4966,21 @@
             </a:r>
           </a:p>
           <a:p>
+            <a:pPr lvl="1"/>
+            <a:r>
+              <a:rPr lang="nl-NL" dirty="0" smtClean="0"/>
+              <a:t>Officiële bepalingen rondom stemmen</a:t>
+            </a:r>
+          </a:p>
+          <a:p>
+            <a:pPr lvl="1"/>
+            <a:r>
+              <a:rPr lang="nl-NL" dirty="0" smtClean="0"/>
+              <a:t>Geldigheid van stemmen</a:t>
+            </a:r>
+          </a:p>
+          <a:p>
+            <a:pPr lvl="1"/>
             <a:endParaRPr lang="nl-NL" dirty="0" smtClean="0"/>
           </a:p>
           <a:p>
@@ -4754,12 +4990,48 @@
             </a:r>
           </a:p>
           <a:p>
+            <a:pPr lvl="1"/>
+            <a:r>
+              <a:rPr lang="nl-NL" dirty="0" smtClean="0"/>
+              <a:t>Gerechtigd om te stemmen</a:t>
+            </a:r>
+          </a:p>
+          <a:p>
+            <a:pPr lvl="1"/>
+            <a:r>
+              <a:rPr lang="nl-NL" dirty="0" smtClean="0"/>
+              <a:t>Identificeren</a:t>
+            </a:r>
+          </a:p>
+          <a:p>
+            <a:pPr lvl="1"/>
+            <a:r>
+              <a:rPr lang="nl-NL" dirty="0" smtClean="0"/>
+              <a:t>Voorkomt dubbel stemmen</a:t>
+            </a:r>
+          </a:p>
+          <a:p>
+            <a:pPr lvl="1"/>
             <a:endParaRPr lang="nl-NL" dirty="0" smtClean="0"/>
           </a:p>
           <a:p>
             <a:r>
               <a:rPr lang="nl-NL" dirty="0" smtClean="0"/>
               <a:t>Stemgeheim</a:t>
+            </a:r>
+          </a:p>
+          <a:p>
+            <a:pPr lvl="1"/>
+            <a:r>
+              <a:rPr lang="nl-NL" dirty="0" smtClean="0"/>
+              <a:t>Recht om stemvoorkeur geheim te houden</a:t>
+            </a:r>
+          </a:p>
+          <a:p>
+            <a:pPr lvl="1"/>
+            <a:r>
+              <a:rPr lang="nl-NL" dirty="0" smtClean="0"/>
+              <a:t>Bespreken is toegestaan, bewijzen niet</a:t>
             </a:r>
             <a:endParaRPr lang="nl-NL" dirty="0"/>
           </a:p>
@@ -4812,14 +5084,22 @@
             <a:r>
               <a:rPr lang="nl-NL" dirty="0" smtClean="0">
                 <a:solidFill>
+                  <a:srgbClr val="FF0000"/>
+                </a:solidFill>
+              </a:rPr>
+              <a:t>niet</a:t>
+            </a:r>
+            <a:r>
+              <a:rPr lang="nl-NL" dirty="0" smtClean="0">
+                <a:solidFill>
                   <a:srgbClr val="00B050"/>
                 </a:solidFill>
               </a:rPr>
-              <a:t>wel</a:t>
-            </a:r>
-            <a:r>
-              <a:rPr lang="nl-NL" dirty="0" smtClean="0"/>
-              <a:t> elektronisch stemmen?</a:t>
+              <a:t> </a:t>
+            </a:r>
+            <a:r>
+              <a:rPr lang="nl-NL" dirty="0" smtClean="0"/>
+              <a:t>elektronisch stemmen?</a:t>
             </a:r>
             <a:endParaRPr lang="nl-NL" dirty="0"/>
           </a:p>
@@ -4847,51 +5127,21 @@
           <a:p>
             <a:r>
               <a:rPr lang="nl-NL" dirty="0" smtClean="0"/>
-              <a:t>Modernisering</a:t>
+              <a:t>Vertrouwen</a:t>
             </a:r>
           </a:p>
           <a:p>
             <a:pPr lvl="1"/>
             <a:r>
               <a:rPr lang="nl-NL" dirty="0" smtClean="0"/>
-              <a:t>Nieuwe ontwikkeling</a:t>
+              <a:t>Garantie dat de stem juist geteld wordt</a:t>
             </a:r>
           </a:p>
           <a:p>
             <a:pPr lvl="1"/>
             <a:r>
               <a:rPr lang="nl-NL" dirty="0" smtClean="0"/>
-              <a:t>Digitale samenleving</a:t>
-            </a:r>
-          </a:p>
-          <a:p>
-            <a:endParaRPr lang="nl-NL" dirty="0" smtClean="0"/>
-          </a:p>
-          <a:p>
-            <a:r>
-              <a:rPr lang="nl-NL" dirty="0" smtClean="0"/>
-              <a:t>Efficiënter</a:t>
-            </a:r>
-          </a:p>
-          <a:p>
-            <a:pPr lvl="1"/>
-            <a:r>
-              <a:rPr lang="nl-NL" dirty="0" smtClean="0"/>
-              <a:t>Nauwkeurig</a:t>
-            </a:r>
-          </a:p>
-          <a:p>
-            <a:pPr lvl="1"/>
-            <a:r>
-              <a:rPr lang="nl-NL" dirty="0" smtClean="0"/>
-              <a:t>Snel</a:t>
-            </a:r>
-          </a:p>
-          <a:p>
-            <a:pPr lvl="1"/>
-            <a:r>
-              <a:rPr lang="nl-NL" dirty="0" smtClean="0"/>
-              <a:t>Geld besparing</a:t>
+              <a:t>Open en inzichtelijke stemmentelling</a:t>
             </a:r>
           </a:p>
           <a:p>
@@ -4901,23 +5151,46 @@
           <a:p>
             <a:r>
               <a:rPr lang="nl-NL" dirty="0" smtClean="0"/>
-              <a:t>Gemakkelijker</a:t>
+              <a:t>Beveiliging</a:t>
             </a:r>
           </a:p>
           <a:p>
             <a:pPr lvl="1"/>
             <a:r>
               <a:rPr lang="nl-NL" dirty="0" smtClean="0"/>
-              <a:t>Minder fouten</a:t>
+              <a:t>Systemen gevoelig voor fraude</a:t>
             </a:r>
           </a:p>
           <a:p>
             <a:pPr lvl="1"/>
             <a:r>
               <a:rPr lang="nl-NL" dirty="0" smtClean="0"/>
-              <a:t>Toegankelijker voor visuele beperking</a:t>
-            </a:r>
-            <a:endParaRPr lang="nl-NL" dirty="0"/>
+              <a:t>Waterdicht systeem bestaat niet</a:t>
+            </a:r>
+          </a:p>
+          <a:p>
+            <a:pPr lvl="1"/>
+            <a:endParaRPr lang="nl-NL" dirty="0" smtClean="0"/>
+          </a:p>
+          <a:p>
+            <a:r>
+              <a:rPr lang="nl-NL" dirty="0" smtClean="0"/>
+              <a:t>Privacy</a:t>
+            </a:r>
+          </a:p>
+          <a:p>
+            <a:pPr lvl="1"/>
+            <a:r>
+              <a:rPr lang="nl-NL" dirty="0" smtClean="0"/>
+              <a:t>Stemmen mogelijk gekoppeld aan kiezers</a:t>
+            </a:r>
+          </a:p>
+          <a:p>
+            <a:pPr lvl="1"/>
+            <a:r>
+              <a:rPr lang="nl-NL" dirty="0" smtClean="0"/>
+              <a:t>Unieke stemmen of stemgeheim</a:t>
+            </a:r>
           </a:p>
         </p:txBody>
       </p:sp>

--- a/presentatie/presentatie.pptx
+++ b/presentatie/presentatie.pptx
@@ -5,23 +5,24 @@
     <p:sldMasterId id="2147483653" r:id="rId1"/>
   </p:sldMasterIdLst>
   <p:notesMasterIdLst>
-    <p:notesMasterId r:id="rId13"/>
+    <p:notesMasterId r:id="rId14"/>
   </p:notesMasterIdLst>
   <p:handoutMasterIdLst>
-    <p:handoutMasterId r:id="rId14"/>
+    <p:handoutMasterId r:id="rId15"/>
   </p:handoutMasterIdLst>
   <p:sldIdLst>
     <p:sldId id="358" r:id="rId2"/>
-    <p:sldId id="360" r:id="rId3"/>
-    <p:sldId id="361" r:id="rId4"/>
-    <p:sldId id="362" r:id="rId5"/>
-    <p:sldId id="364" r:id="rId6"/>
-    <p:sldId id="363" r:id="rId7"/>
-    <p:sldId id="365" r:id="rId8"/>
-    <p:sldId id="366" r:id="rId9"/>
-    <p:sldId id="369" r:id="rId10"/>
-    <p:sldId id="367" r:id="rId11"/>
-    <p:sldId id="370" r:id="rId12"/>
+    <p:sldId id="371" r:id="rId3"/>
+    <p:sldId id="360" r:id="rId4"/>
+    <p:sldId id="361" r:id="rId5"/>
+    <p:sldId id="362" r:id="rId6"/>
+    <p:sldId id="364" r:id="rId7"/>
+    <p:sldId id="363" r:id="rId8"/>
+    <p:sldId id="365" r:id="rId9"/>
+    <p:sldId id="366" r:id="rId10"/>
+    <p:sldId id="369" r:id="rId11"/>
+    <p:sldId id="367" r:id="rId12"/>
+    <p:sldId id="370" r:id="rId13"/>
   </p:sldIdLst>
   <p:sldSz cx="9144000" cy="6858000" type="screen4x3"/>
   <p:notesSz cx="6797675" cy="9926638"/>
@@ -508,7 +509,7 @@
         <p:nvSpPr>
           <p:cNvPr id="5124" name="Rectangle 4"/>
           <p:cNvSpPr>
-            <a:spLocks noChangeArrowheads="1" noTextEdit="1"/>
+            <a:spLocks noGrp="1" noRot="1" noChangeAspect="1" noChangeArrowheads="1" noTextEdit="1"/>
           </p:cNvSpPr>
           <p:nvPr>
             <p:ph type="sldImg" idx="2"/>
@@ -1091,7 +1092,7 @@
                 </a:spcBef>
                 <a:defRPr/>
               </a:pPr>
-              <a:t>21-3-2013</a:t>
+              <a:t>5-4-2013</a:t>
             </a:fld>
             <a:endParaRPr lang="nl-NL" sz="1600" dirty="0">
               <a:solidFill>
@@ -3831,7 +3832,6 @@
               <a:rPr lang="nl-NL" dirty="0" smtClean="0"/>
               <a:t>stemmen</a:t>
             </a:r>
-            <a:endParaRPr lang="nl-NL" dirty="0" smtClean="0"/>
           </a:p>
         </p:txBody>
       </p:sp>
@@ -3860,7 +3860,6 @@
               <a:rPr lang="nl-NL" sz="2000" i="1" dirty="0" smtClean="0"/>
               <a:t>De ethische discussie over elektronisch stemmen in de digitale samenleving.</a:t>
             </a:r>
-            <a:endParaRPr lang="nl-NL" sz="2000" i="1" dirty="0" smtClean="0"/>
           </a:p>
         </p:txBody>
       </p:sp>
@@ -3918,14 +3917,22 @@
             <a:r>
               <a:rPr lang="nl-NL" dirty="0" smtClean="0">
                 <a:solidFill>
+                  <a:srgbClr val="FF0000"/>
+                </a:solidFill>
+              </a:rPr>
+              <a:t>niet</a:t>
+            </a:r>
+            <a:r>
+              <a:rPr lang="nl-NL" dirty="0" smtClean="0">
+                <a:solidFill>
                   <a:srgbClr val="00B050"/>
                 </a:solidFill>
               </a:rPr>
-              <a:t>wel</a:t>
-            </a:r>
-            <a:r>
-              <a:rPr lang="nl-NL" dirty="0" smtClean="0"/>
-              <a:t> elektronisch stemmen?</a:t>
+              <a:t> </a:t>
+            </a:r>
+            <a:r>
+              <a:rPr lang="nl-NL" dirty="0" smtClean="0"/>
+              <a:t>elektronisch stemmen?</a:t>
             </a:r>
             <a:endParaRPr lang="nl-NL" dirty="0"/>
           </a:p>
@@ -3953,51 +3960,21 @@
           <a:p>
             <a:r>
               <a:rPr lang="nl-NL" dirty="0" smtClean="0"/>
-              <a:t>Modernisering</a:t>
+              <a:t>Vertrouwen</a:t>
             </a:r>
           </a:p>
           <a:p>
             <a:pPr lvl="1"/>
             <a:r>
               <a:rPr lang="nl-NL" dirty="0" smtClean="0"/>
-              <a:t>Nieuwe ontwikkeling</a:t>
+              <a:t>Garantie dat de stem juist geteld wordt</a:t>
             </a:r>
           </a:p>
           <a:p>
             <a:pPr lvl="1"/>
             <a:r>
               <a:rPr lang="nl-NL" dirty="0" smtClean="0"/>
-              <a:t>Digitale samenleving</a:t>
-            </a:r>
-          </a:p>
-          <a:p>
-            <a:endParaRPr lang="nl-NL" dirty="0" smtClean="0"/>
-          </a:p>
-          <a:p>
-            <a:r>
-              <a:rPr lang="nl-NL" dirty="0" smtClean="0"/>
-              <a:t>Efficiënter</a:t>
-            </a:r>
-          </a:p>
-          <a:p>
-            <a:pPr lvl="1"/>
-            <a:r>
-              <a:rPr lang="nl-NL" dirty="0" smtClean="0"/>
-              <a:t>Nauwkeurig</a:t>
-            </a:r>
-          </a:p>
-          <a:p>
-            <a:pPr lvl="1"/>
-            <a:r>
-              <a:rPr lang="nl-NL" dirty="0" smtClean="0"/>
-              <a:t>Snel</a:t>
-            </a:r>
-          </a:p>
-          <a:p>
-            <a:pPr lvl="1"/>
-            <a:r>
-              <a:rPr lang="nl-NL" dirty="0" smtClean="0"/>
-              <a:t>Geld besparing</a:t>
+              <a:t>Open en inzichtelijke stemmentelling</a:t>
             </a:r>
           </a:p>
           <a:p>
@@ -4007,23 +3984,46 @@
           <a:p>
             <a:r>
               <a:rPr lang="nl-NL" dirty="0" smtClean="0"/>
-              <a:t>Gemakkelijker</a:t>
+              <a:t>Beveiliging</a:t>
             </a:r>
           </a:p>
           <a:p>
             <a:pPr lvl="1"/>
             <a:r>
               <a:rPr lang="nl-NL" dirty="0" smtClean="0"/>
-              <a:t>Minder fouten</a:t>
+              <a:t>Systemen gevoelig voor fraude</a:t>
             </a:r>
           </a:p>
           <a:p>
             <a:pPr lvl="1"/>
             <a:r>
               <a:rPr lang="nl-NL" dirty="0" smtClean="0"/>
-              <a:t>Toegankelijker voor visuele beperking</a:t>
-            </a:r>
-            <a:endParaRPr lang="nl-NL" dirty="0"/>
+              <a:t>Waterdicht systeem bestaat niet</a:t>
+            </a:r>
+          </a:p>
+          <a:p>
+            <a:pPr lvl="1"/>
+            <a:endParaRPr lang="nl-NL" dirty="0" smtClean="0"/>
+          </a:p>
+          <a:p>
+            <a:r>
+              <a:rPr lang="nl-NL" dirty="0" smtClean="0"/>
+              <a:t>Privacy</a:t>
+            </a:r>
+          </a:p>
+          <a:p>
+            <a:pPr lvl="1"/>
+            <a:r>
+              <a:rPr lang="nl-NL" dirty="0" smtClean="0"/>
+              <a:t>Stemmen mogelijk gekoppeld aan kiezers</a:t>
+            </a:r>
+          </a:p>
+          <a:p>
+            <a:pPr lvl="1"/>
+            <a:r>
+              <a:rPr lang="nl-NL" dirty="0" smtClean="0"/>
+              <a:t>Unieke stemmen of stemgeheim</a:t>
+            </a:r>
           </a:p>
         </p:txBody>
       </p:sp>
@@ -4069,6 +4069,162 @@
           <a:p>
             <a:r>
               <a:rPr lang="nl-NL" dirty="0" smtClean="0"/>
+              <a:t>Waarom </a:t>
+            </a:r>
+            <a:r>
+              <a:rPr lang="nl-NL" dirty="0" smtClean="0">
+                <a:solidFill>
+                  <a:srgbClr val="00B050"/>
+                </a:solidFill>
+              </a:rPr>
+              <a:t>wel</a:t>
+            </a:r>
+            <a:r>
+              <a:rPr lang="nl-NL" dirty="0" smtClean="0"/>
+              <a:t> elektronisch stemmen?</a:t>
+            </a:r>
+            <a:endParaRPr lang="nl-NL" dirty="0"/>
+          </a:p>
+        </p:txBody>
+      </p:sp>
+      <p:sp>
+        <p:nvSpPr>
+          <p:cNvPr id="3" name="Tijdelijke aanduiding voor inhoud 2"/>
+          <p:cNvSpPr>
+            <a:spLocks noGrp="1"/>
+          </p:cNvSpPr>
+          <p:nvPr>
+            <p:ph idx="1"/>
+          </p:nvPr>
+        </p:nvSpPr>
+        <p:spPr>
+          <a:xfrm>
+            <a:off x="925513" y="1828800"/>
+            <a:ext cx="7648575" cy="3904456"/>
+          </a:xfrm>
+        </p:spPr>
+        <p:txBody>
+          <a:bodyPr/>
+          <a:lstStyle/>
+          <a:p>
+            <a:r>
+              <a:rPr lang="nl-NL" dirty="0" smtClean="0"/>
+              <a:t>Modernisering</a:t>
+            </a:r>
+          </a:p>
+          <a:p>
+            <a:pPr lvl="1"/>
+            <a:r>
+              <a:rPr lang="nl-NL" dirty="0" smtClean="0"/>
+              <a:t>Nieuwe ontwikkeling</a:t>
+            </a:r>
+          </a:p>
+          <a:p>
+            <a:pPr lvl="1"/>
+            <a:r>
+              <a:rPr lang="nl-NL" dirty="0" smtClean="0"/>
+              <a:t>Digitale samenleving</a:t>
+            </a:r>
+          </a:p>
+          <a:p>
+            <a:endParaRPr lang="nl-NL" dirty="0" smtClean="0"/>
+          </a:p>
+          <a:p>
+            <a:r>
+              <a:rPr lang="nl-NL" dirty="0" smtClean="0"/>
+              <a:t>Efficiënter</a:t>
+            </a:r>
+          </a:p>
+          <a:p>
+            <a:pPr lvl="1"/>
+            <a:r>
+              <a:rPr lang="nl-NL" dirty="0" smtClean="0"/>
+              <a:t>Nauwkeurig</a:t>
+            </a:r>
+          </a:p>
+          <a:p>
+            <a:pPr lvl="1"/>
+            <a:r>
+              <a:rPr lang="nl-NL" dirty="0" smtClean="0"/>
+              <a:t>Snel</a:t>
+            </a:r>
+          </a:p>
+          <a:p>
+            <a:pPr lvl="1"/>
+            <a:r>
+              <a:rPr lang="nl-NL" dirty="0" smtClean="0"/>
+              <a:t>Geld besparing</a:t>
+            </a:r>
+          </a:p>
+          <a:p>
+            <a:pPr lvl="1"/>
+            <a:endParaRPr lang="nl-NL" dirty="0" smtClean="0"/>
+          </a:p>
+          <a:p>
+            <a:r>
+              <a:rPr lang="nl-NL" dirty="0" smtClean="0"/>
+              <a:t>Gemakkelijker</a:t>
+            </a:r>
+          </a:p>
+          <a:p>
+            <a:pPr lvl="1"/>
+            <a:r>
+              <a:rPr lang="nl-NL" dirty="0" smtClean="0"/>
+              <a:t>Minder fouten</a:t>
+            </a:r>
+          </a:p>
+          <a:p>
+            <a:pPr lvl="1"/>
+            <a:r>
+              <a:rPr lang="nl-NL" dirty="0" smtClean="0"/>
+              <a:t>Toegankelijker voor visuele beperking</a:t>
+            </a:r>
+            <a:endParaRPr lang="nl-NL" dirty="0"/>
+          </a:p>
+        </p:txBody>
+      </p:sp>
+    </p:spTree>
+  </p:cSld>
+  <p:clrMapOvr>
+    <a:masterClrMapping/>
+  </p:clrMapOvr>
+</p:sld>
+</file>
+
+<file path=ppt/slides/slide12.xml><?xml version="1.0" encoding="utf-8"?>
+<p:sld xmlns:a="http://schemas.openxmlformats.org/drawingml/2006/main" xmlns:r="http://schemas.openxmlformats.org/officeDocument/2006/relationships" xmlns:p="http://schemas.openxmlformats.org/presentationml/2006/main">
+  <p:cSld>
+    <p:spTree>
+      <p:nvGrpSpPr>
+        <p:cNvPr id="1" name=""/>
+        <p:cNvGrpSpPr/>
+        <p:nvPr/>
+      </p:nvGrpSpPr>
+      <p:grpSpPr>
+        <a:xfrm>
+          <a:off x="0" y="0"/>
+          <a:ext cx="0" cy="0"/>
+          <a:chOff x="0" y="0"/>
+          <a:chExt cx="0" cy="0"/>
+        </a:xfrm>
+      </p:grpSpPr>
+      <p:sp>
+        <p:nvSpPr>
+          <p:cNvPr id="2" name="Titel 1"/>
+          <p:cNvSpPr>
+            <a:spLocks noGrp="1"/>
+          </p:cNvSpPr>
+          <p:nvPr>
+            <p:ph type="title"/>
+          </p:nvPr>
+        </p:nvSpPr>
+        <p:spPr/>
+        <p:txBody>
+          <a:bodyPr/>
+          <a:lstStyle/>
+          <a:p>
+            <a:r>
+              <a:rPr lang="nl-NL" dirty="0" smtClean="0"/>
               <a:t>Conclusie</a:t>
             </a:r>
             <a:endParaRPr lang="nl-NL" dirty="0"/>
@@ -4199,30 +4355,7 @@
       </p:grpSpPr>
       <p:sp>
         <p:nvSpPr>
-          <p:cNvPr id="4098" name="Titel 1"/>
-          <p:cNvSpPr>
-            <a:spLocks noGrp="1"/>
-          </p:cNvSpPr>
-          <p:nvPr>
-            <p:ph type="title"/>
-          </p:nvPr>
-        </p:nvSpPr>
-        <p:spPr/>
-        <p:txBody>
-          <a:bodyPr/>
-          <a:lstStyle/>
-          <a:p>
-            <a:r>
-              <a:rPr lang="nl-NL" dirty="0" smtClean="0"/>
-              <a:t>Introductie</a:t>
-            </a:r>
-            <a:endParaRPr lang="nl-NL" dirty="0" smtClean="0"/>
-          </a:p>
-        </p:txBody>
-      </p:sp>
-      <p:sp>
-        <p:nvSpPr>
-          <p:cNvPr id="4099" name="Tijdelijke aanduiding voor inhoud 2"/>
+          <p:cNvPr id="3" name="Tijdelijke aanduiding voor inhoud 2"/>
           <p:cNvSpPr>
             <a:spLocks noGrp="1"/>
           </p:cNvSpPr>
@@ -4230,60 +4363,57 @@
             <p:ph idx="1"/>
           </p:nvPr>
         </p:nvSpPr>
-        <p:spPr/>
+        <p:spPr>
+          <a:xfrm>
+            <a:off x="827584" y="5229200"/>
+            <a:ext cx="7746504" cy="464840"/>
+          </a:xfrm>
+        </p:spPr>
         <p:txBody>
           <a:bodyPr/>
           <a:lstStyle/>
           <a:p>
-            <a:r>
-              <a:rPr lang="nl-NL" dirty="0" smtClean="0"/>
-              <a:t>Minister </a:t>
-            </a:r>
-            <a:r>
-              <a:rPr lang="nl-NL" dirty="0" err="1" smtClean="0"/>
-              <a:t>Plasterk</a:t>
-            </a:r>
-            <a:r>
-              <a:rPr lang="nl-NL" dirty="0" smtClean="0"/>
-              <a:t> is aan herinvoering aan het overwegen</a:t>
-            </a:r>
-          </a:p>
-          <a:p>
-            <a:endParaRPr lang="nl-NL" dirty="0" smtClean="0"/>
-          </a:p>
-          <a:p>
-            <a:r>
-              <a:rPr lang="nl-NL" dirty="0" smtClean="0"/>
-              <a:t>Veel landen gebruiken het, Nederland niet (meer)</a:t>
-            </a:r>
-          </a:p>
-          <a:p>
-            <a:endParaRPr lang="nl-NL" dirty="0" smtClean="0"/>
-          </a:p>
-          <a:p>
-            <a:r>
-              <a:rPr lang="nl-NL" dirty="0" smtClean="0"/>
-              <a:t>Afgelopen jaren veel om te doen geweest</a:t>
-            </a:r>
-          </a:p>
-          <a:p>
-            <a:pPr lvl="1"/>
-            <a:r>
-              <a:rPr lang="nl-NL" dirty="0" smtClean="0"/>
-              <a:t>Stichting “Wij Vertrouwen Stemcomputers Niet”</a:t>
-            </a:r>
-          </a:p>
-          <a:p>
-            <a:endParaRPr lang="nl-NL" dirty="0" smtClean="0"/>
-          </a:p>
-          <a:p>
-            <a:r>
-              <a:rPr lang="nl-NL" dirty="0" smtClean="0"/>
-              <a:t>Papier en potlood lijken achterhaald</a:t>
-            </a:r>
-          </a:p>
-        </p:txBody>
-      </p:sp>
+            <a:pPr algn="r">
+              <a:buNone/>
+            </a:pPr>
+            <a:r>
+              <a:rPr lang="nl-NL" i="1" dirty="0" smtClean="0"/>
+              <a:t>Bron: </a:t>
+            </a:r>
+            <a:r>
+              <a:rPr lang="nl-NL" i="1" dirty="0" err="1" smtClean="0"/>
+              <a:t>www.peil.nl</a:t>
+            </a:r>
+            <a:endParaRPr lang="nl-NL" i="1" dirty="0"/>
+          </a:p>
+        </p:txBody>
+      </p:sp>
+      <p:pic>
+        <p:nvPicPr>
+          <p:cNvPr id="1026" name="Picture 2" descr="C:\Users\Mick de Lange\Desktop\voorkeur.jpg"/>
+          <p:cNvPicPr>
+            <a:picLocks noChangeAspect="1" noChangeArrowheads="1"/>
+          </p:cNvPicPr>
+          <p:nvPr/>
+        </p:nvPicPr>
+        <p:blipFill>
+          <a:blip r:embed="rId2" cstate="print"/>
+          <a:srcRect/>
+          <a:stretch>
+            <a:fillRect/>
+          </a:stretch>
+        </p:blipFill>
+        <p:spPr bwMode="auto">
+          <a:xfrm>
+            <a:off x="755576" y="836712"/>
+            <a:ext cx="8039101" cy="4257675"/>
+          </a:xfrm>
+          <a:prstGeom prst="rect">
+            <a:avLst/>
+          </a:prstGeom>
+          <a:noFill/>
+        </p:spPr>
+      </p:pic>
     </p:spTree>
   </p:cSld>
   <p:clrMapOvr>
@@ -4311,7 +4441,7 @@
       </p:grpSpPr>
       <p:sp>
         <p:nvSpPr>
-          <p:cNvPr id="2" name="Titel 1"/>
+          <p:cNvPr id="4098" name="Titel 1"/>
           <p:cNvSpPr>
             <a:spLocks noGrp="1"/>
           </p:cNvSpPr>
@@ -4326,15 +4456,14 @@
           <a:p>
             <a:r>
               <a:rPr lang="nl-NL" dirty="0" smtClean="0"/>
-              <a:t>Onderwerpen</a:t>
-            </a:r>
-            <a:endParaRPr lang="nl-NL" dirty="0"/>
-          </a:p>
-        </p:txBody>
-      </p:sp>
-      <p:sp>
-        <p:nvSpPr>
-          <p:cNvPr id="3" name="Tijdelijke aanduiding voor inhoud 2"/>
+              <a:t>Introductie</a:t>
+            </a:r>
+          </a:p>
+        </p:txBody>
+      </p:sp>
+      <p:sp>
+        <p:nvSpPr>
+          <p:cNvPr id="4099" name="Tijdelijke aanduiding voor inhoud 2"/>
           <p:cNvSpPr>
             <a:spLocks noGrp="1"/>
           </p:cNvSpPr>
@@ -4349,35 +4478,40 @@
           <a:p>
             <a:r>
               <a:rPr lang="nl-NL" dirty="0" smtClean="0"/>
-              <a:t>Elektronisch stemmen</a:t>
+              <a:t>Minister </a:t>
+            </a:r>
+            <a:r>
+              <a:rPr lang="nl-NL" dirty="0" err="1" smtClean="0"/>
+              <a:t>Plasterk</a:t>
+            </a:r>
+            <a:r>
+              <a:rPr lang="nl-NL" dirty="0" smtClean="0"/>
+              <a:t> is aan herinvoering aan het overwegen</a:t>
+            </a:r>
+          </a:p>
+          <a:p>
+            <a:endParaRPr lang="nl-NL" dirty="0" smtClean="0"/>
+          </a:p>
+          <a:p>
+            <a:r>
+              <a:rPr lang="nl-NL" dirty="0" smtClean="0"/>
+              <a:t>Veel landen gebruiken het, Nederland niet (meer)</a:t>
+            </a:r>
+          </a:p>
+          <a:p>
+            <a:endParaRPr lang="nl-NL" dirty="0" smtClean="0"/>
+          </a:p>
+          <a:p>
+            <a:r>
+              <a:rPr lang="nl-NL" dirty="0" smtClean="0"/>
+              <a:t>Afgelopen jaren veel om te doen geweest</a:t>
             </a:r>
           </a:p>
           <a:p>
             <a:pPr lvl="1"/>
             <a:r>
               <a:rPr lang="nl-NL" dirty="0" smtClean="0"/>
-              <a:t>Betrokken partijen</a:t>
-            </a:r>
-          </a:p>
-          <a:p>
-            <a:pPr lvl="1"/>
-            <a:r>
-              <a:rPr lang="nl-NL" dirty="0" smtClean="0"/>
-              <a:t>Feiten</a:t>
-            </a:r>
-          </a:p>
-          <a:p>
-            <a:pPr lvl="1"/>
-            <a:r>
-              <a:rPr lang="nl-NL" dirty="0" smtClean="0"/>
-              <a:t>Morele aspecten</a:t>
-            </a:r>
-          </a:p>
-          <a:p>
-            <a:pPr lvl="1"/>
-            <a:r>
-              <a:rPr lang="nl-NL" dirty="0" smtClean="0"/>
-              <a:t>Juridische aspecten</a:t>
+              <a:t>Stichting “Wij Vertrouwen Stemcomputers Niet”</a:t>
             </a:r>
           </a:p>
           <a:p>
@@ -4386,27 +4520,8 @@
           <a:p>
             <a:r>
               <a:rPr lang="nl-NL" dirty="0" smtClean="0"/>
-              <a:t>Argumenten voor</a:t>
-            </a:r>
-          </a:p>
-          <a:p>
-            <a:endParaRPr lang="nl-NL" dirty="0" smtClean="0"/>
-          </a:p>
-          <a:p>
-            <a:r>
-              <a:rPr lang="nl-NL" dirty="0" smtClean="0"/>
-              <a:t>Argumenten tegen</a:t>
-            </a:r>
-          </a:p>
-          <a:p>
-            <a:endParaRPr lang="nl-NL" dirty="0" smtClean="0"/>
-          </a:p>
-          <a:p>
-            <a:r>
-              <a:rPr lang="nl-NL" dirty="0" smtClean="0"/>
-              <a:t>Conclusie</a:t>
-            </a:r>
-            <a:endParaRPr lang="nl-NL" dirty="0"/>
+              <a:t>Papier en potlood lijken achterhaald</a:t>
+            </a:r>
           </a:p>
         </p:txBody>
       </p:sp>
@@ -4452,7 +4567,7 @@
           <a:p>
             <a:r>
               <a:rPr lang="nl-NL" dirty="0" smtClean="0"/>
-              <a:t>Elektronisch stemmen</a:t>
+              <a:t>Onderwerpen</a:t>
             </a:r>
             <a:endParaRPr lang="nl-NL" dirty="0"/>
           </a:p>
@@ -4475,56 +4590,62 @@
           <a:p>
             <a:r>
               <a:rPr lang="nl-NL" dirty="0" smtClean="0"/>
-              <a:t>Wat gaan we precies behandelen?</a:t>
+              <a:t>Elektronisch stemmen</a:t>
             </a:r>
           </a:p>
           <a:p>
             <a:pPr lvl="1"/>
+            <a:r>
+              <a:rPr lang="nl-NL" dirty="0" smtClean="0"/>
+              <a:t>Betrokken partijen</a:t>
+            </a:r>
+          </a:p>
+          <a:p>
+            <a:pPr lvl="1"/>
+            <a:r>
+              <a:rPr lang="nl-NL" dirty="0" smtClean="0"/>
+              <a:t>Feiten</a:t>
+            </a:r>
+          </a:p>
+          <a:p>
+            <a:pPr lvl="1"/>
+            <a:r>
+              <a:rPr lang="nl-NL" dirty="0" smtClean="0"/>
+              <a:t>Morele aspecten</a:t>
+            </a:r>
+          </a:p>
+          <a:p>
+            <a:pPr lvl="1"/>
+            <a:r>
+              <a:rPr lang="nl-NL" dirty="0" smtClean="0"/>
+              <a:t>Juridische aspecten</a:t>
+            </a:r>
+          </a:p>
+          <a:p>
             <a:endParaRPr lang="nl-NL" dirty="0" smtClean="0"/>
           </a:p>
           <a:p>
-            <a:pPr lvl="1"/>
-            <a:r>
-              <a:rPr lang="nl-NL" dirty="0" smtClean="0"/>
-              <a:t>Elektronisch stemmen middels stemcomputer</a:t>
-            </a:r>
+            <a:r>
+              <a:rPr lang="nl-NL" dirty="0" smtClean="0"/>
+              <a:t>Argumenten voor</a:t>
+            </a:r>
+          </a:p>
+          <a:p>
             <a:endParaRPr lang="nl-NL" dirty="0" smtClean="0"/>
           </a:p>
           <a:p>
-            <a:pPr lvl="1"/>
-            <a:r>
-              <a:rPr lang="nl-NL" dirty="0" smtClean="0"/>
-              <a:t>In het stemlokaal</a:t>
-            </a:r>
-          </a:p>
-          <a:p>
-            <a:pPr>
-              <a:buNone/>
-            </a:pPr>
+            <a:r>
+              <a:rPr lang="nl-NL" dirty="0" smtClean="0"/>
+              <a:t>Argumenten tegen</a:t>
+            </a:r>
+          </a:p>
+          <a:p>
             <a:endParaRPr lang="nl-NL" dirty="0" smtClean="0"/>
           </a:p>
           <a:p>
             <a:r>
               <a:rPr lang="nl-NL" dirty="0" smtClean="0"/>
-              <a:t>Wat niet?</a:t>
-            </a:r>
-          </a:p>
-          <a:p>
-            <a:pPr lvl="1"/>
-            <a:endParaRPr lang="nl-NL" dirty="0" smtClean="0"/>
-          </a:p>
-          <a:p>
-            <a:pPr lvl="1"/>
-            <a:r>
-              <a:rPr lang="nl-NL" dirty="0" smtClean="0"/>
-              <a:t>Internetstemmen</a:t>
-            </a:r>
-          </a:p>
-          <a:p>
-            <a:pPr lvl="1"/>
-            <a:r>
-              <a:rPr lang="nl-NL" dirty="0" smtClean="0"/>
-              <a:t>Papieren biljetten elektronisch tellen</a:t>
+              <a:t>Conclusie</a:t>
             </a:r>
             <a:endParaRPr lang="nl-NL" dirty="0"/>
           </a:p>
@@ -4572,7 +4693,7 @@
           <a:p>
             <a:r>
               <a:rPr lang="nl-NL" dirty="0" smtClean="0"/>
-              <a:t>Feiten</a:t>
+              <a:t>Elektronisch stemmen</a:t>
             </a:r>
             <a:endParaRPr lang="nl-NL" dirty="0"/>
           </a:p>
@@ -4595,43 +4716,52 @@
           <a:p>
             <a:r>
               <a:rPr lang="nl-NL" dirty="0" smtClean="0"/>
-              <a:t>Ingevoerd in de jaren ‘90</a:t>
-            </a:r>
-          </a:p>
-          <a:p>
+              <a:t>Wat gaan we precies behandelen?</a:t>
+            </a:r>
+          </a:p>
+          <a:p>
+            <a:pPr lvl="1"/>
             <a:endParaRPr lang="nl-NL" dirty="0" smtClean="0"/>
           </a:p>
           <a:p>
-            <a:r>
-              <a:rPr lang="nl-NL" dirty="0" smtClean="0"/>
-              <a:t>Veel problemen ontdekt</a:t>
-            </a:r>
-          </a:p>
-          <a:p>
+            <a:pPr lvl="1"/>
+            <a:r>
+              <a:rPr lang="nl-NL" dirty="0" smtClean="0"/>
+              <a:t>Elektronisch stemmen middels stemcomputer</a:t>
+            </a:r>
+          </a:p>
+          <a:p>
+            <a:pPr lvl="1"/>
+            <a:r>
+              <a:rPr lang="nl-NL" dirty="0" smtClean="0"/>
+              <a:t>In het </a:t>
+            </a:r>
+            <a:r>
+              <a:rPr lang="nl-NL" dirty="0" smtClean="0"/>
+              <a:t>stemlokaal</a:t>
+            </a:r>
+          </a:p>
+          <a:p>
+            <a:pPr lvl="1">
+              <a:buNone/>
+            </a:pPr>
             <a:endParaRPr lang="nl-NL" dirty="0" smtClean="0"/>
           </a:p>
           <a:p>
             <a:r>
               <a:rPr lang="nl-NL" dirty="0" smtClean="0"/>
-              <a:t>Grote </a:t>
-            </a:r>
-            <a:r>
-              <a:rPr lang="nl-NL" dirty="0" err="1" smtClean="0"/>
-              <a:t>anti-campagne</a:t>
-            </a:r>
+              <a:t>Wat niet?</a:t>
+            </a:r>
+          </a:p>
+          <a:p>
+            <a:pPr lvl="1"/>
             <a:endParaRPr lang="nl-NL" dirty="0" smtClean="0"/>
           </a:p>
           <a:p>
-            <a:endParaRPr lang="nl-NL" dirty="0" smtClean="0"/>
-          </a:p>
-          <a:p>
-            <a:r>
-              <a:rPr lang="nl-NL" dirty="0" err="1" smtClean="0"/>
-              <a:t>Onderzoekscommssies</a:t>
-            </a:r>
-            <a:r>
-              <a:rPr lang="nl-NL" dirty="0" smtClean="0"/>
-              <a:t> ingesteld.</a:t>
+            <a:pPr lvl="1"/>
+            <a:r>
+              <a:rPr lang="nl-NL" dirty="0" smtClean="0"/>
+              <a:t>Internetstemmen</a:t>
             </a:r>
             <a:endParaRPr lang="nl-NL" dirty="0"/>
           </a:p>
@@ -4679,7 +4809,7 @@
           <a:p>
             <a:r>
               <a:rPr lang="nl-NL" dirty="0" smtClean="0"/>
-              <a:t>Betrokken partijen</a:t>
+              <a:t>Feiten</a:t>
             </a:r>
             <a:endParaRPr lang="nl-NL" dirty="0"/>
           </a:p>
@@ -4702,7 +4832,7 @@
           <a:p>
             <a:r>
               <a:rPr lang="nl-NL" dirty="0" smtClean="0"/>
-              <a:t>Kiesgerechtigden / burgers</a:t>
+              <a:t>Ingevoerd in de jaren ‘90</a:t>
             </a:r>
           </a:p>
           <a:p>
@@ -4711,7 +4841,7 @@
           <a:p>
             <a:r>
               <a:rPr lang="nl-NL" dirty="0" smtClean="0"/>
-              <a:t>Politieke partijen</a:t>
+              <a:t>Veel problemen ontdekt</a:t>
             </a:r>
           </a:p>
           <a:p>
@@ -4720,29 +4850,25 @@
           <a:p>
             <a:r>
               <a:rPr lang="nl-NL" dirty="0" smtClean="0"/>
-              <a:t>Fabrikant apparatuur</a:t>
-            </a:r>
-          </a:p>
-          <a:p>
+              <a:t>Grote </a:t>
+            </a:r>
+            <a:r>
+              <a:rPr lang="nl-NL" dirty="0" smtClean="0"/>
+              <a:t>anticampagne</a:t>
+            </a:r>
             <a:endParaRPr lang="nl-NL" dirty="0" smtClean="0"/>
           </a:p>
           <a:p>
-            <a:r>
-              <a:rPr lang="nl-NL" dirty="0" smtClean="0"/>
-              <a:t>Stichting “Wij Vertrouwen Stemcomputers Niet”</a:t>
-            </a:r>
-          </a:p>
-          <a:p>
             <a:endParaRPr lang="nl-NL" dirty="0" smtClean="0"/>
           </a:p>
           <a:p>
             <a:r>
               <a:rPr lang="nl-NL" dirty="0" smtClean="0"/>
-              <a:t>Minister </a:t>
-            </a:r>
-            <a:r>
-              <a:rPr lang="nl-NL" dirty="0" err="1" smtClean="0"/>
-              <a:t>Plasterk</a:t>
+              <a:t>Onderzoekscommissies </a:t>
+            </a:r>
+            <a:r>
+              <a:rPr lang="nl-NL" dirty="0" smtClean="0"/>
+              <a:t>ingesteld.</a:t>
             </a:r>
             <a:endParaRPr lang="nl-NL" dirty="0"/>
           </a:p>
@@ -4790,7 +4916,7 @@
           <a:p>
             <a:r>
               <a:rPr lang="nl-NL" dirty="0" smtClean="0"/>
-              <a:t>Morele aspecten</a:t>
+              <a:t>Betrokken partijen</a:t>
             </a:r>
             <a:endParaRPr lang="nl-NL" dirty="0"/>
           </a:p>
@@ -4806,89 +4932,56 @@
             <p:ph idx="1"/>
           </p:nvPr>
         </p:nvSpPr>
-        <p:spPr>
-          <a:xfrm>
-            <a:off x="925513" y="1828800"/>
-            <a:ext cx="7648575" cy="3904456"/>
-          </a:xfrm>
-        </p:spPr>
+        <p:spPr/>
         <p:txBody>
           <a:bodyPr/>
           <a:lstStyle/>
           <a:p>
             <a:r>
               <a:rPr lang="nl-NL" dirty="0" smtClean="0"/>
-              <a:t>Privacy</a:t>
-            </a:r>
-          </a:p>
-          <a:p>
-            <a:pPr lvl="1"/>
-            <a:r>
-              <a:rPr lang="nl-NL" dirty="0" smtClean="0"/>
-              <a:t>Stemkeuze voor jezelf</a:t>
-            </a:r>
-          </a:p>
-          <a:p>
-            <a:pPr lvl="1"/>
-            <a:r>
-              <a:rPr lang="nl-NL" dirty="0" smtClean="0"/>
-              <a:t>Tegen externe invloed</a:t>
-            </a:r>
-          </a:p>
-          <a:p>
-            <a:pPr lvl="1"/>
+              <a:t>Kiesgerechtigden / burgers</a:t>
+            </a:r>
+          </a:p>
+          <a:p>
             <a:endParaRPr lang="nl-NL" dirty="0" smtClean="0"/>
           </a:p>
           <a:p>
             <a:r>
               <a:rPr lang="nl-NL" dirty="0" smtClean="0"/>
-              <a:t>Vrijheid</a:t>
-            </a:r>
-          </a:p>
-          <a:p>
-            <a:pPr lvl="1"/>
-            <a:r>
-              <a:rPr lang="nl-NL" dirty="0" smtClean="0"/>
-              <a:t>Vrijheid om eigen keus te maken</a:t>
-            </a:r>
-          </a:p>
-          <a:p>
-            <a:pPr lvl="1"/>
-            <a:r>
-              <a:rPr lang="nl-NL" dirty="0" smtClean="0"/>
-              <a:t>Inherent aan democratisch systeem</a:t>
-            </a:r>
-          </a:p>
-          <a:p>
-            <a:pPr lvl="1"/>
+              <a:t>Politieke partijen</a:t>
+            </a:r>
+          </a:p>
+          <a:p>
             <a:endParaRPr lang="nl-NL" dirty="0" smtClean="0"/>
           </a:p>
           <a:p>
             <a:r>
               <a:rPr lang="nl-NL" dirty="0" smtClean="0"/>
-              <a:t>Eerlijkheid en vertrouwen</a:t>
-            </a:r>
-          </a:p>
-          <a:p>
-            <a:pPr lvl="1"/>
-            <a:r>
-              <a:rPr lang="nl-NL" dirty="0" smtClean="0"/>
-              <a:t>Vertrouwen in eerlijk verloop verkiezingen</a:t>
-            </a:r>
-          </a:p>
-          <a:p>
-            <a:pPr lvl="1"/>
-            <a:r>
-              <a:rPr lang="nl-NL" dirty="0" smtClean="0"/>
-              <a:t>Eerlijke telling van de stemmen</a:t>
-            </a:r>
-          </a:p>
-          <a:p>
-            <a:pPr lvl="1"/>
-            <a:r>
-              <a:rPr lang="nl-NL" dirty="0" smtClean="0"/>
-              <a:t>Vertrouwen in het systeem</a:t>
-            </a:r>
+              <a:t>Fabrikant apparatuur</a:t>
+            </a:r>
+          </a:p>
+          <a:p>
+            <a:endParaRPr lang="nl-NL" dirty="0" smtClean="0"/>
+          </a:p>
+          <a:p>
+            <a:r>
+              <a:rPr lang="nl-NL" dirty="0" smtClean="0"/>
+              <a:t>Stichting “Wij Vertrouwen Stemcomputers Niet”</a:t>
+            </a:r>
+          </a:p>
+          <a:p>
+            <a:endParaRPr lang="nl-NL" dirty="0" smtClean="0"/>
+          </a:p>
+          <a:p>
+            <a:r>
+              <a:rPr lang="nl-NL" dirty="0" smtClean="0"/>
+              <a:t>Minister </a:t>
+            </a:r>
+            <a:r>
+              <a:rPr lang="nl-NL" dirty="0" err="1" smtClean="0"/>
+              <a:t>Plasterk</a:t>
+            </a:r>
+            <a:endParaRPr lang="nl-NL" dirty="0"/>
           </a:p>
         </p:txBody>
       </p:sp>
@@ -4934,7 +5027,7 @@
           <a:p>
             <a:r>
               <a:rPr lang="nl-NL" dirty="0" smtClean="0"/>
-              <a:t>Juridische aspecten</a:t>
+              <a:t>Morele aspecten</a:t>
             </a:r>
             <a:endParaRPr lang="nl-NL" dirty="0"/>
           </a:p>
@@ -4953,7 +5046,7 @@
         <p:spPr>
           <a:xfrm>
             <a:off x="925513" y="1828800"/>
-            <a:ext cx="7648575" cy="3976464"/>
+            <a:ext cx="7648575" cy="3904456"/>
           </a:xfrm>
         </p:spPr>
         <p:txBody>
@@ -4962,21 +5055,21 @@
           <a:p>
             <a:r>
               <a:rPr lang="nl-NL" dirty="0" smtClean="0"/>
-              <a:t>Kieswet</a:t>
+              <a:t>Privacy</a:t>
             </a:r>
           </a:p>
           <a:p>
             <a:pPr lvl="1"/>
             <a:r>
               <a:rPr lang="nl-NL" dirty="0" smtClean="0"/>
-              <a:t>Officiële bepalingen rondom stemmen</a:t>
+              <a:t>Stemkeuze voor jezelf</a:t>
             </a:r>
           </a:p>
           <a:p>
             <a:pPr lvl="1"/>
             <a:r>
               <a:rPr lang="nl-NL" dirty="0" smtClean="0"/>
-              <a:t>Geldigheid van stemmen</a:t>
+              <a:t>Tegen externe invloed</a:t>
             </a:r>
           </a:p>
           <a:p>
@@ -4986,28 +5079,21 @@
           <a:p>
             <a:r>
               <a:rPr lang="nl-NL" dirty="0" smtClean="0"/>
-              <a:t>Kiesgerechtigden</a:t>
+              <a:t>Vrijheid</a:t>
             </a:r>
           </a:p>
           <a:p>
             <a:pPr lvl="1"/>
             <a:r>
               <a:rPr lang="nl-NL" dirty="0" smtClean="0"/>
-              <a:t>Gerechtigd om te stemmen</a:t>
+              <a:t>Vrijheid om eigen keus te maken</a:t>
             </a:r>
           </a:p>
           <a:p>
             <a:pPr lvl="1"/>
             <a:r>
               <a:rPr lang="nl-NL" dirty="0" smtClean="0"/>
-              <a:t>Identificeren</a:t>
-            </a:r>
-          </a:p>
-          <a:p>
-            <a:pPr lvl="1"/>
-            <a:r>
-              <a:rPr lang="nl-NL" dirty="0" smtClean="0"/>
-              <a:t>Voorkomt dubbel stemmen</a:t>
+              <a:t>Inherent aan democratisch systeem</a:t>
             </a:r>
           </a:p>
           <a:p>
@@ -5017,23 +5103,29 @@
           <a:p>
             <a:r>
               <a:rPr lang="nl-NL" dirty="0" smtClean="0"/>
-              <a:t>Stemgeheim</a:t>
+              <a:t>Eerlijkheid en vertrouwen</a:t>
             </a:r>
           </a:p>
           <a:p>
             <a:pPr lvl="1"/>
             <a:r>
               <a:rPr lang="nl-NL" dirty="0" smtClean="0"/>
-              <a:t>Recht om stemvoorkeur geheim te houden</a:t>
+              <a:t>Vertrouwen in eerlijk verloop verkiezingen</a:t>
             </a:r>
           </a:p>
           <a:p>
             <a:pPr lvl="1"/>
             <a:r>
               <a:rPr lang="nl-NL" dirty="0" smtClean="0"/>
-              <a:t>Bespreken is toegestaan, bewijzen niet</a:t>
-            </a:r>
-            <a:endParaRPr lang="nl-NL" dirty="0"/>
+              <a:t>Eerlijke telling van de stemmen</a:t>
+            </a:r>
+          </a:p>
+          <a:p>
+            <a:pPr lvl="1"/>
+            <a:r>
+              <a:rPr lang="nl-NL" dirty="0" smtClean="0"/>
+              <a:t>Vertrouwen in het systeem</a:t>
+            </a:r>
           </a:p>
         </p:txBody>
       </p:sp>
@@ -5079,27 +5171,7 @@
           <a:p>
             <a:r>
               <a:rPr lang="nl-NL" dirty="0" smtClean="0"/>
-              <a:t>Waarom </a:t>
-            </a:r>
-            <a:r>
-              <a:rPr lang="nl-NL" dirty="0" smtClean="0">
-                <a:solidFill>
-                  <a:srgbClr val="FF0000"/>
-                </a:solidFill>
-              </a:rPr>
-              <a:t>niet</a:t>
-            </a:r>
-            <a:r>
-              <a:rPr lang="nl-NL" dirty="0" smtClean="0">
-                <a:solidFill>
-                  <a:srgbClr val="00B050"/>
-                </a:solidFill>
-              </a:rPr>
-              <a:t> </a:t>
-            </a:r>
-            <a:r>
-              <a:rPr lang="nl-NL" dirty="0" smtClean="0"/>
-              <a:t>elektronisch stemmen?</a:t>
+              <a:t>Juridische aspecten</a:t>
             </a:r>
             <a:endParaRPr lang="nl-NL" dirty="0"/>
           </a:p>
@@ -5118,7 +5190,7 @@
         <p:spPr>
           <a:xfrm>
             <a:off x="925513" y="1828800"/>
-            <a:ext cx="7648575" cy="3904456"/>
+            <a:ext cx="7648575" cy="3976464"/>
           </a:xfrm>
         </p:spPr>
         <p:txBody>
@@ -5127,21 +5199,21 @@
           <a:p>
             <a:r>
               <a:rPr lang="nl-NL" dirty="0" smtClean="0"/>
-              <a:t>Vertrouwen</a:t>
+              <a:t>Kieswet</a:t>
             </a:r>
           </a:p>
           <a:p>
             <a:pPr lvl="1"/>
             <a:r>
               <a:rPr lang="nl-NL" dirty="0" smtClean="0"/>
-              <a:t>Garantie dat de stem juist geteld wordt</a:t>
+              <a:t>Officiële bepalingen rondom stemmen</a:t>
             </a:r>
           </a:p>
           <a:p>
             <a:pPr lvl="1"/>
             <a:r>
               <a:rPr lang="nl-NL" dirty="0" smtClean="0"/>
-              <a:t>Open en inzichtelijke stemmentelling</a:t>
+              <a:t>Geldigheid van stemmen</a:t>
             </a:r>
           </a:p>
           <a:p>
@@ -5151,21 +5223,28 @@
           <a:p>
             <a:r>
               <a:rPr lang="nl-NL" dirty="0" smtClean="0"/>
-              <a:t>Beveiliging</a:t>
+              <a:t>Kiesgerechtigden</a:t>
             </a:r>
           </a:p>
           <a:p>
             <a:pPr lvl="1"/>
             <a:r>
               <a:rPr lang="nl-NL" dirty="0" smtClean="0"/>
-              <a:t>Systemen gevoelig voor fraude</a:t>
+              <a:t>Gerechtigd om te stemmen</a:t>
             </a:r>
           </a:p>
           <a:p>
             <a:pPr lvl="1"/>
             <a:r>
               <a:rPr lang="nl-NL" dirty="0" smtClean="0"/>
-              <a:t>Waterdicht systeem bestaat niet</a:t>
+              <a:t>Identificeren</a:t>
+            </a:r>
+          </a:p>
+          <a:p>
+            <a:pPr lvl="1"/>
+            <a:r>
+              <a:rPr lang="nl-NL" dirty="0" smtClean="0"/>
+              <a:t>Voorkomt dubbel stemmen</a:t>
             </a:r>
           </a:p>
           <a:p>
@@ -5175,22 +5254,23 @@
           <a:p>
             <a:r>
               <a:rPr lang="nl-NL" dirty="0" smtClean="0"/>
-              <a:t>Privacy</a:t>
+              <a:t>Stemgeheim</a:t>
             </a:r>
           </a:p>
           <a:p>
             <a:pPr lvl="1"/>
             <a:r>
               <a:rPr lang="nl-NL" dirty="0" smtClean="0"/>
-              <a:t>Stemmen mogelijk gekoppeld aan kiezers</a:t>
+              <a:t>Recht om stemvoorkeur geheim te houden</a:t>
             </a:r>
           </a:p>
           <a:p>
             <a:pPr lvl="1"/>
             <a:r>
               <a:rPr lang="nl-NL" dirty="0" smtClean="0"/>
-              <a:t>Unieke stemmen of stemgeheim</a:t>
-            </a:r>
+              <a:t>Bespreken is toegestaan, bewijzen niet</a:t>
+            </a:r>
+            <a:endParaRPr lang="nl-NL" dirty="0"/>
           </a:p>
         </p:txBody>
       </p:sp>
